--- a/slides/Hazard Prediction.pptx
+++ b/slides/Hazard Prediction.pptx
@@ -5,7 +5,7 @@
     <p:sldMasterId id="2147483648" r:id="rId1"/>
   </p:sldMasterIdLst>
   <p:notesMasterIdLst>
-    <p:notesMasterId r:id="rId14"/>
+    <p:notesMasterId r:id="rId21"/>
   </p:notesMasterIdLst>
   <p:sldIdLst>
     <p:sldId id="256" r:id="rId2"/>
@@ -17,9 +17,16 @@
     <p:sldId id="260" r:id="rId8"/>
     <p:sldId id="267" r:id="rId9"/>
     <p:sldId id="268" r:id="rId10"/>
-    <p:sldId id="262" r:id="rId11"/>
-    <p:sldId id="261" r:id="rId12"/>
-    <p:sldId id="264" r:id="rId13"/>
+    <p:sldId id="269" r:id="rId11"/>
+    <p:sldId id="270" r:id="rId12"/>
+    <p:sldId id="271" r:id="rId13"/>
+    <p:sldId id="275" r:id="rId14"/>
+    <p:sldId id="272" r:id="rId15"/>
+    <p:sldId id="273" r:id="rId16"/>
+    <p:sldId id="274" r:id="rId17"/>
+    <p:sldId id="262" r:id="rId18"/>
+    <p:sldId id="261" r:id="rId19"/>
+    <p:sldId id="264" r:id="rId20"/>
   </p:sldIdLst>
   <p:sldSz cx="12192000" cy="6858000"/>
   <p:notesSz cx="6858000" cy="9144000"/>
@@ -118,6 +125,14 @@
       </a:defRPr>
     </a:lvl9pPr>
   </p:defaultTextStyle>
+  <p:extLst>
+    <p:ext uri="{EFAFB233-063F-42B5-8137-9DF3F51BA10A}">
+      <p15:sldGuideLst xmlns:p15="http://schemas.microsoft.com/office/powerpoint/2012/main"/>
+    </p:ext>
+    <p:ext uri="{2D200454-40CA-4A62-9FC3-DE9A4176ACB9}">
+      <p15:notesGuideLst xmlns:p15="http://schemas.microsoft.com/office/powerpoint/2012/main"/>
+    </p:ext>
+  </p:extLst>
 </p:presentation>
 </file>
 
@@ -203,7 +218,7 @@
           <a:p>
             <a:fld id="{A5642F71-7916-41EA-9CD5-03CEB12A7DEB}" type="datetimeFigureOut">
               <a:rPr lang="en-US" smtClean="0"/>
-              <a:t>7/11/2015</a:t>
+              <a:t>8/9/2015</a:t>
             </a:fld>
             <a:endParaRPr lang="en-US"/>
           </a:p>
@@ -620,6 +635,185 @@
           <a:lstStyle/>
           <a:p>
             <a:r>
+              <a:rPr lang="en-US" dirty="0"/>
+              <a:t>Unlike fitting a single large decision tree to the data, which amounts </a:t>
+            </a:r>
+            <a:r>
+              <a:rPr lang="en-US" dirty="0" err="1"/>
+              <a:t>tofitting</a:t>
+            </a:r>
+            <a:r>
+              <a:rPr lang="en-US" dirty="0"/>
+              <a:t> the data </a:t>
+            </a:r>
+            <a:r>
+              <a:rPr lang="en-US" dirty="0" err="1"/>
+              <a:t>hardand</a:t>
+            </a:r>
+            <a:r>
+              <a:rPr lang="en-US" dirty="0"/>
+              <a:t> potentially</a:t>
+            </a:r>
+          </a:p>
+          <a:p>
+            <a:r>
+              <a:rPr lang="en-US" dirty="0"/>
+              <a:t>overfitting, the boosting approach </a:t>
+            </a:r>
+            <a:r>
+              <a:rPr lang="en-US" dirty="0" err="1"/>
+              <a:t>insteadlearns</a:t>
+            </a:r>
+            <a:r>
+              <a:rPr lang="en-US" dirty="0"/>
+              <a:t> slowly</a:t>
+            </a:r>
+            <a:r>
+              <a:rPr lang="en-US" dirty="0" smtClean="0"/>
+              <a:t>.</a:t>
+            </a:r>
+          </a:p>
+          <a:p>
+            <a:r>
+              <a:rPr lang="en-US" dirty="0"/>
+              <a:t>By</a:t>
+            </a:r>
+          </a:p>
+          <a:p>
+            <a:r>
+              <a:rPr lang="en-US" dirty="0"/>
+              <a:t>fitting small trees to the residuals, we slowly improve ˆ</a:t>
+            </a:r>
+          </a:p>
+          <a:p>
+            <a:r>
+              <a:rPr lang="en-US" dirty="0"/>
+              <a:t>fin areas where it</a:t>
+            </a:r>
+          </a:p>
+          <a:p>
+            <a:r>
+              <a:rPr lang="en-US" dirty="0"/>
+              <a:t>does not perform well. The shrinkage </a:t>
+            </a:r>
+            <a:r>
+              <a:rPr lang="en-US" dirty="0" err="1"/>
+              <a:t>parameterλslows</a:t>
+            </a:r>
+            <a:r>
+              <a:rPr lang="en-US" dirty="0"/>
+              <a:t> the process down</a:t>
+            </a:r>
+          </a:p>
+          <a:p>
+            <a:r>
+              <a:rPr lang="en-US" dirty="0"/>
+              <a:t>even further, allowing more and different shaped trees to attack the residuals. In general, statistical learning approaches </a:t>
+            </a:r>
+            <a:r>
+              <a:rPr lang="en-US" dirty="0" err="1"/>
+              <a:t>thatlearn</a:t>
+            </a:r>
+            <a:r>
+              <a:rPr lang="en-US" dirty="0"/>
+              <a:t> slowly tend to</a:t>
+            </a:r>
+          </a:p>
+          <a:p>
+            <a:r>
+              <a:rPr lang="en-US" dirty="0"/>
+              <a:t>perform well. Note that in boosting, unlike in bagging, the construction of</a:t>
+            </a:r>
+          </a:p>
+          <a:p>
+            <a:r>
+              <a:rPr lang="en-US" dirty="0"/>
+              <a:t>each tree depends strongly on the trees that have already been grown.</a:t>
+            </a:r>
+          </a:p>
+        </p:txBody>
+      </p:sp>
+      <p:sp>
+        <p:nvSpPr>
+          <p:cNvPr id="4" name="Slide Number Placeholder 3"/>
+          <p:cNvSpPr>
+            <a:spLocks noGrp="1"/>
+          </p:cNvSpPr>
+          <p:nvPr>
+            <p:ph type="sldNum" sz="quarter" idx="10"/>
+          </p:nvPr>
+        </p:nvSpPr>
+        <p:spPr/>
+        <p:txBody>
+          <a:bodyPr/>
+          <a:lstStyle/>
+          <a:p>
+            <a:fld id="{28AB83FC-B79D-44FF-9AA0-D7884ABCAD58}" type="slidenum">
+              <a:rPr lang="en-US" smtClean="0"/>
+              <a:t>13</a:t>
+            </a:fld>
+            <a:endParaRPr lang="en-US"/>
+          </a:p>
+        </p:txBody>
+      </p:sp>
+    </p:spTree>
+    <p:extLst>
+      <p:ext uri="{BB962C8B-B14F-4D97-AF65-F5344CB8AC3E}">
+        <p14:creationId xmlns:p14="http://schemas.microsoft.com/office/powerpoint/2010/main" val="2338644403"/>
+      </p:ext>
+    </p:extLst>
+  </p:cSld>
+  <p:clrMapOvr>
+    <a:masterClrMapping/>
+  </p:clrMapOvr>
+</p:notes>
+</file>
+
+<file path=ppt/notesSlides/notesSlide3.xml><?xml version="1.0" encoding="utf-8"?>
+<p:notes xmlns:a="http://schemas.openxmlformats.org/drawingml/2006/main" xmlns:r="http://schemas.openxmlformats.org/officeDocument/2006/relationships" xmlns:p="http://schemas.openxmlformats.org/presentationml/2006/main">
+  <p:cSld>
+    <p:spTree>
+      <p:nvGrpSpPr>
+        <p:cNvPr id="1" name=""/>
+        <p:cNvGrpSpPr/>
+        <p:nvPr/>
+      </p:nvGrpSpPr>
+      <p:grpSpPr>
+        <a:xfrm>
+          <a:off x="0" y="0"/>
+          <a:ext cx="0" cy="0"/>
+          <a:chOff x="0" y="0"/>
+          <a:chExt cx="0" cy="0"/>
+        </a:xfrm>
+      </p:grpSpPr>
+      <p:sp>
+        <p:nvSpPr>
+          <p:cNvPr id="2" name="Slide Image Placeholder 1"/>
+          <p:cNvSpPr>
+            <a:spLocks noGrp="1" noRot="1" noChangeAspect="1"/>
+          </p:cNvSpPr>
+          <p:nvPr>
+            <p:ph type="sldImg"/>
+          </p:nvPr>
+        </p:nvSpPr>
+        <p:spPr/>
+      </p:sp>
+      <p:sp>
+        <p:nvSpPr>
+          <p:cNvPr id="3" name="Notes Placeholder 2"/>
+          <p:cNvSpPr>
+            <a:spLocks noGrp="1"/>
+          </p:cNvSpPr>
+          <p:nvPr>
+            <p:ph type="body" idx="1"/>
+          </p:nvPr>
+        </p:nvSpPr>
+        <p:spPr/>
+        <p:txBody>
+          <a:bodyPr/>
+          <a:lstStyle/>
+          <a:p>
+            <a:r>
               <a:rPr lang="en-US" dirty="0" smtClean="0">
                 <a:effectLst/>
               </a:rPr>
@@ -713,7 +907,7 @@
           <a:p>
             <a:fld id="{28AB83FC-B79D-44FF-9AA0-D7884ABCAD58}" type="slidenum">
               <a:rPr lang="en-US" smtClean="0"/>
-              <a:t>10</a:t>
+              <a:t>17</a:t>
             </a:fld>
             <a:endParaRPr lang="en-US"/>
           </a:p>
@@ -863,7 +1057,7 @@
           <a:p>
             <a:fld id="{1AC58384-69D5-4248-A022-030D2F4CD178}" type="datetimeFigureOut">
               <a:rPr lang="en-US" smtClean="0"/>
-              <a:t>7/11/2015</a:t>
+              <a:t>8/9/2015</a:t>
             </a:fld>
             <a:endParaRPr lang="en-US"/>
           </a:p>
@@ -1033,7 +1227,7 @@
           <a:p>
             <a:fld id="{1AC58384-69D5-4248-A022-030D2F4CD178}" type="datetimeFigureOut">
               <a:rPr lang="en-US" smtClean="0"/>
-              <a:t>7/11/2015</a:t>
+              <a:t>8/9/2015</a:t>
             </a:fld>
             <a:endParaRPr lang="en-US"/>
           </a:p>
@@ -1213,7 +1407,7 @@
           <a:p>
             <a:fld id="{1AC58384-69D5-4248-A022-030D2F4CD178}" type="datetimeFigureOut">
               <a:rPr lang="en-US" smtClean="0"/>
-              <a:t>7/11/2015</a:t>
+              <a:t>8/9/2015</a:t>
             </a:fld>
             <a:endParaRPr lang="en-US"/>
           </a:p>
@@ -1383,7 +1577,7 @@
           <a:p>
             <a:fld id="{1AC58384-69D5-4248-A022-030D2F4CD178}" type="datetimeFigureOut">
               <a:rPr lang="en-US" smtClean="0"/>
-              <a:t>7/11/2015</a:t>
+              <a:t>8/9/2015</a:t>
             </a:fld>
             <a:endParaRPr lang="en-US"/>
           </a:p>
@@ -1629,7 +1823,7 @@
           <a:p>
             <a:fld id="{1AC58384-69D5-4248-A022-030D2F4CD178}" type="datetimeFigureOut">
               <a:rPr lang="en-US" smtClean="0"/>
-              <a:t>7/11/2015</a:t>
+              <a:t>8/9/2015</a:t>
             </a:fld>
             <a:endParaRPr lang="en-US"/>
           </a:p>
@@ -1861,7 +2055,7 @@
           <a:p>
             <a:fld id="{1AC58384-69D5-4248-A022-030D2F4CD178}" type="datetimeFigureOut">
               <a:rPr lang="en-US" smtClean="0"/>
-              <a:t>7/11/2015</a:t>
+              <a:t>8/9/2015</a:t>
             </a:fld>
             <a:endParaRPr lang="en-US"/>
           </a:p>
@@ -2228,7 +2422,7 @@
           <a:p>
             <a:fld id="{1AC58384-69D5-4248-A022-030D2F4CD178}" type="datetimeFigureOut">
               <a:rPr lang="en-US" smtClean="0"/>
-              <a:t>7/11/2015</a:t>
+              <a:t>8/9/2015</a:t>
             </a:fld>
             <a:endParaRPr lang="en-US"/>
           </a:p>
@@ -2346,7 +2540,7 @@
           <a:p>
             <a:fld id="{1AC58384-69D5-4248-A022-030D2F4CD178}" type="datetimeFigureOut">
               <a:rPr lang="en-US" smtClean="0"/>
-              <a:t>7/11/2015</a:t>
+              <a:t>8/9/2015</a:t>
             </a:fld>
             <a:endParaRPr lang="en-US"/>
           </a:p>
@@ -2441,7 +2635,7 @@
           <a:p>
             <a:fld id="{1AC58384-69D5-4248-A022-030D2F4CD178}" type="datetimeFigureOut">
               <a:rPr lang="en-US" smtClean="0"/>
-              <a:t>7/11/2015</a:t>
+              <a:t>8/9/2015</a:t>
             </a:fld>
             <a:endParaRPr lang="en-US"/>
           </a:p>
@@ -2718,7 +2912,7 @@
           <a:p>
             <a:fld id="{1AC58384-69D5-4248-A022-030D2F4CD178}" type="datetimeFigureOut">
               <a:rPr lang="en-US" smtClean="0"/>
-              <a:t>7/11/2015</a:t>
+              <a:t>8/9/2015</a:t>
             </a:fld>
             <a:endParaRPr lang="en-US"/>
           </a:p>
@@ -2971,7 +3165,7 @@
           <a:p>
             <a:fld id="{1AC58384-69D5-4248-A022-030D2F4CD178}" type="datetimeFigureOut">
               <a:rPr lang="en-US" smtClean="0"/>
-              <a:t>7/11/2015</a:t>
+              <a:t>8/9/2015</a:t>
             </a:fld>
             <a:endParaRPr lang="en-US"/>
           </a:p>
@@ -3184,7 +3378,7 @@
           <a:p>
             <a:fld id="{1AC58384-69D5-4248-A022-030D2F4CD178}" type="datetimeFigureOut">
               <a:rPr lang="en-US" smtClean="0"/>
-              <a:t>7/11/2015</a:t>
+              <a:t>8/9/2015</a:t>
             </a:fld>
             <a:endParaRPr lang="en-US"/>
           </a:p>
@@ -3699,7 +3893,11 @@
             </a:br>
             <a:r>
               <a:rPr lang="en-US" dirty="0" smtClean="0"/>
-              <a:t>July 11, 2015</a:t>
+              <a:t>August 10, </a:t>
+            </a:r>
+            <a:r>
+              <a:rPr lang="en-US" dirty="0" smtClean="0"/>
+              <a:t>2015</a:t>
             </a:r>
             <a:endParaRPr lang="en-US" dirty="0"/>
           </a:p>
@@ -3726,6 +3924,1120 @@
 </file>
 
 <file path=ppt/slides/slide10.xml><?xml version="1.0" encoding="utf-8"?>
+<p:sld xmlns:a="http://schemas.openxmlformats.org/drawingml/2006/main" xmlns:r="http://schemas.openxmlformats.org/officeDocument/2006/relationships" xmlns:p="http://schemas.openxmlformats.org/presentationml/2006/main">
+  <p:cSld>
+    <p:spTree>
+      <p:nvGrpSpPr>
+        <p:cNvPr id="1" name=""/>
+        <p:cNvGrpSpPr/>
+        <p:nvPr/>
+      </p:nvGrpSpPr>
+      <p:grpSpPr>
+        <a:xfrm>
+          <a:off x="0" y="0"/>
+          <a:ext cx="0" cy="0"/>
+          <a:chOff x="0" y="0"/>
+          <a:chExt cx="0" cy="0"/>
+        </a:xfrm>
+      </p:grpSpPr>
+      <p:pic>
+        <p:nvPicPr>
+          <p:cNvPr id="5" name="Picture 4"/>
+          <p:cNvPicPr>
+            <a:picLocks noChangeAspect="1"/>
+          </p:cNvPicPr>
+          <p:nvPr/>
+        </p:nvPicPr>
+        <p:blipFill>
+          <a:blip r:embed="rId2"/>
+          <a:stretch>
+            <a:fillRect/>
+          </a:stretch>
+        </p:blipFill>
+        <p:spPr>
+          <a:xfrm>
+            <a:off x="229455" y="225083"/>
+            <a:ext cx="11825414" cy="6386732"/>
+          </a:xfrm>
+          <a:prstGeom prst="rect">
+            <a:avLst/>
+          </a:prstGeom>
+        </p:spPr>
+      </p:pic>
+      <p:sp>
+        <p:nvSpPr>
+          <p:cNvPr id="2" name="Title 1"/>
+          <p:cNvSpPr>
+            <a:spLocks noGrp="1"/>
+          </p:cNvSpPr>
+          <p:nvPr>
+            <p:ph type="title"/>
+          </p:nvPr>
+        </p:nvSpPr>
+        <p:spPr/>
+        <p:txBody>
+          <a:bodyPr/>
+          <a:lstStyle/>
+          <a:p>
+            <a:r>
+              <a:rPr lang="en-US" dirty="0" smtClean="0"/>
+              <a:t>How to find the best variables?</a:t>
+            </a:r>
+            <a:endParaRPr lang="en-US" dirty="0"/>
+          </a:p>
+        </p:txBody>
+      </p:sp>
+      <p:sp>
+        <p:nvSpPr>
+          <p:cNvPr id="3" name="Content Placeholder 2"/>
+          <p:cNvSpPr>
+            <a:spLocks noGrp="1"/>
+          </p:cNvSpPr>
+          <p:nvPr>
+            <p:ph idx="1"/>
+          </p:nvPr>
+        </p:nvSpPr>
+        <p:spPr/>
+        <p:txBody>
+          <a:bodyPr>
+            <a:normAutofit/>
+          </a:bodyPr>
+          <a:lstStyle/>
+          <a:p>
+            <a:r>
+              <a:rPr lang="en-US" sz="3600" dirty="0" smtClean="0"/>
+              <a:t>Correlation is not obvious</a:t>
+            </a:r>
+          </a:p>
+          <a:p>
+            <a:r>
+              <a:rPr lang="en-US" sz="3600" dirty="0" smtClean="0"/>
+              <a:t>Look by hand?</a:t>
+            </a:r>
+          </a:p>
+          <a:p>
+            <a:r>
+              <a:rPr lang="en-US" sz="3600" dirty="0" smtClean="0"/>
+              <a:t>Exclude the largest hazards and stack a model for those?</a:t>
+            </a:r>
+          </a:p>
+          <a:p>
+            <a:r>
+              <a:rPr lang="en-US" sz="3600" dirty="0" smtClean="0"/>
+              <a:t>Just build a linear model with the highest correlators</a:t>
+            </a:r>
+          </a:p>
+          <a:p>
+            <a:r>
+              <a:rPr lang="en-US" sz="3600" dirty="0" smtClean="0"/>
+              <a:t>Build a linear model with the largest variables from Random Forest?</a:t>
+            </a:r>
+            <a:endParaRPr lang="en-US" sz="3600" dirty="0"/>
+          </a:p>
+        </p:txBody>
+      </p:sp>
+    </p:spTree>
+    <p:extLst>
+      <p:ext uri="{BB962C8B-B14F-4D97-AF65-F5344CB8AC3E}">
+        <p14:creationId xmlns:p14="http://schemas.microsoft.com/office/powerpoint/2010/main" val="1772136332"/>
+      </p:ext>
+    </p:extLst>
+  </p:cSld>
+  <p:clrMapOvr>
+    <a:masterClrMapping/>
+  </p:clrMapOvr>
+  <p:timing>
+    <p:tnLst>
+      <p:par>
+        <p:cTn id="1" dur="indefinite" restart="never" nodeType="tmRoot"/>
+      </p:par>
+    </p:tnLst>
+  </p:timing>
+</p:sld>
+</file>
+
+<file path=ppt/slides/slide11.xml><?xml version="1.0" encoding="utf-8"?>
+<p:sld xmlns:a="http://schemas.openxmlformats.org/drawingml/2006/main" xmlns:r="http://schemas.openxmlformats.org/officeDocument/2006/relationships" xmlns:p="http://schemas.openxmlformats.org/presentationml/2006/main">
+  <p:cSld>
+    <p:spTree>
+      <p:nvGrpSpPr>
+        <p:cNvPr id="1" name=""/>
+        <p:cNvGrpSpPr/>
+        <p:nvPr/>
+      </p:nvGrpSpPr>
+      <p:grpSpPr>
+        <a:xfrm>
+          <a:off x="0" y="0"/>
+          <a:ext cx="0" cy="0"/>
+          <a:chOff x="0" y="0"/>
+          <a:chExt cx="0" cy="0"/>
+        </a:xfrm>
+      </p:grpSpPr>
+      <p:pic>
+        <p:nvPicPr>
+          <p:cNvPr id="4" name="Picture 3"/>
+          <p:cNvPicPr>
+            <a:picLocks noChangeAspect="1"/>
+          </p:cNvPicPr>
+          <p:nvPr/>
+        </p:nvPicPr>
+        <p:blipFill>
+          <a:blip r:embed="rId2"/>
+          <a:stretch>
+            <a:fillRect/>
+          </a:stretch>
+        </p:blipFill>
+        <p:spPr>
+          <a:xfrm>
+            <a:off x="134429" y="1571417"/>
+            <a:ext cx="12057571" cy="4776373"/>
+          </a:xfrm>
+          <a:prstGeom prst="rect">
+            <a:avLst/>
+          </a:prstGeom>
+        </p:spPr>
+      </p:pic>
+      <p:sp>
+        <p:nvSpPr>
+          <p:cNvPr id="2" name="Title 1"/>
+          <p:cNvSpPr>
+            <a:spLocks noGrp="1"/>
+          </p:cNvSpPr>
+          <p:nvPr>
+            <p:ph type="title"/>
+          </p:nvPr>
+        </p:nvSpPr>
+        <p:spPr>
+          <a:xfrm>
+            <a:off x="838200" y="365126"/>
+            <a:ext cx="10415954" cy="760290"/>
+          </a:xfrm>
+        </p:spPr>
+        <p:txBody>
+          <a:bodyPr/>
+          <a:lstStyle/>
+          <a:p>
+            <a:r>
+              <a:rPr lang="en-US" dirty="0" smtClean="0"/>
+              <a:t>Scalars and Categorical Variables</a:t>
+            </a:r>
+            <a:endParaRPr lang="en-US" dirty="0"/>
+          </a:p>
+        </p:txBody>
+      </p:sp>
+      <p:sp>
+        <p:nvSpPr>
+          <p:cNvPr id="5" name="Content Placeholder 4"/>
+          <p:cNvSpPr>
+            <a:spLocks noGrp="1"/>
+          </p:cNvSpPr>
+          <p:nvPr>
+            <p:ph idx="1"/>
+          </p:nvPr>
+        </p:nvSpPr>
+        <p:spPr>
+          <a:xfrm>
+            <a:off x="738554" y="1125416"/>
+            <a:ext cx="10515600" cy="4351338"/>
+          </a:xfrm>
+        </p:spPr>
+        <p:txBody>
+          <a:bodyPr/>
+          <a:lstStyle/>
+          <a:p>
+            <a:r>
+              <a:rPr lang="en-US" dirty="0" smtClean="0"/>
+              <a:t>Maybe some of categories are ordinal?</a:t>
+            </a:r>
+            <a:endParaRPr lang="en-US" dirty="0"/>
+          </a:p>
+        </p:txBody>
+      </p:sp>
+    </p:spTree>
+    <p:extLst>
+      <p:ext uri="{BB962C8B-B14F-4D97-AF65-F5344CB8AC3E}">
+        <p14:creationId xmlns:p14="http://schemas.microsoft.com/office/powerpoint/2010/main" val="296039965"/>
+      </p:ext>
+    </p:extLst>
+  </p:cSld>
+  <p:clrMapOvr>
+    <a:masterClrMapping/>
+  </p:clrMapOvr>
+  <p:timing>
+    <p:tnLst>
+      <p:par>
+        <p:cTn id="1" dur="indefinite" restart="never" nodeType="tmRoot"/>
+      </p:par>
+    </p:tnLst>
+  </p:timing>
+</p:sld>
+</file>
+
+<file path=ppt/slides/slide12.xml><?xml version="1.0" encoding="utf-8"?>
+<p:sld xmlns:a="http://schemas.openxmlformats.org/drawingml/2006/main" xmlns:r="http://schemas.openxmlformats.org/officeDocument/2006/relationships" xmlns:p="http://schemas.openxmlformats.org/presentationml/2006/main">
+  <p:cSld>
+    <p:spTree>
+      <p:nvGrpSpPr>
+        <p:cNvPr id="1" name=""/>
+        <p:cNvGrpSpPr/>
+        <p:nvPr/>
+      </p:nvGrpSpPr>
+      <p:grpSpPr>
+        <a:xfrm>
+          <a:off x="0" y="0"/>
+          <a:ext cx="0" cy="0"/>
+          <a:chOff x="0" y="0"/>
+          <a:chExt cx="0" cy="0"/>
+        </a:xfrm>
+      </p:grpSpPr>
+      <p:sp>
+        <p:nvSpPr>
+          <p:cNvPr id="2" name="Title 1"/>
+          <p:cNvSpPr>
+            <a:spLocks noGrp="1"/>
+          </p:cNvSpPr>
+          <p:nvPr>
+            <p:ph type="title"/>
+          </p:nvPr>
+        </p:nvSpPr>
+        <p:spPr/>
+        <p:txBody>
+          <a:bodyPr/>
+          <a:lstStyle/>
+          <a:p>
+            <a:r>
+              <a:rPr lang="en-US" dirty="0" err="1" smtClean="0"/>
+              <a:t>Kaggle</a:t>
+            </a:r>
+            <a:r>
+              <a:rPr lang="en-US" dirty="0" smtClean="0"/>
+              <a:t> History</a:t>
+            </a:r>
+            <a:endParaRPr lang="en-US" dirty="0"/>
+          </a:p>
+        </p:txBody>
+      </p:sp>
+      <p:pic>
+        <p:nvPicPr>
+          <p:cNvPr id="3" name="Picture 2"/>
+          <p:cNvPicPr>
+            <a:picLocks noChangeAspect="1"/>
+          </p:cNvPicPr>
+          <p:nvPr/>
+        </p:nvPicPr>
+        <p:blipFill>
+          <a:blip r:embed="rId2"/>
+          <a:stretch>
+            <a:fillRect/>
+          </a:stretch>
+        </p:blipFill>
+        <p:spPr>
+          <a:xfrm>
+            <a:off x="4408243" y="140677"/>
+            <a:ext cx="7605566" cy="6626972"/>
+          </a:xfrm>
+          <a:prstGeom prst="rect">
+            <a:avLst/>
+          </a:prstGeom>
+        </p:spPr>
+      </p:pic>
+      <p:sp>
+        <p:nvSpPr>
+          <p:cNvPr id="4" name="Right Arrow 3"/>
+          <p:cNvSpPr/>
+          <p:nvPr/>
+        </p:nvSpPr>
+        <p:spPr>
+          <a:xfrm>
+            <a:off x="2264898" y="2926080"/>
+            <a:ext cx="2011680" cy="379828"/>
+          </a:xfrm>
+          <a:prstGeom prst="rightArrow">
+            <a:avLst/>
+          </a:prstGeom>
+        </p:spPr>
+        <p:style>
+          <a:lnRef idx="2">
+            <a:schemeClr val="accent1">
+              <a:shade val="50000"/>
+            </a:schemeClr>
+          </a:lnRef>
+          <a:fillRef idx="1">
+            <a:schemeClr val="accent1"/>
+          </a:fillRef>
+          <a:effectRef idx="0">
+            <a:schemeClr val="accent1"/>
+          </a:effectRef>
+          <a:fontRef idx="minor">
+            <a:schemeClr val="lt1"/>
+          </a:fontRef>
+        </p:style>
+        <p:txBody>
+          <a:bodyPr rtlCol="0" anchor="ctr"/>
+          <a:lstStyle/>
+          <a:p>
+            <a:pPr algn="ctr"/>
+            <a:endParaRPr lang="en-US"/>
+          </a:p>
+        </p:txBody>
+      </p:sp>
+      <p:sp>
+        <p:nvSpPr>
+          <p:cNvPr id="5" name="Right Arrow 4"/>
+          <p:cNvSpPr/>
+          <p:nvPr/>
+        </p:nvSpPr>
+        <p:spPr>
+          <a:xfrm>
+            <a:off x="2841674" y="5301176"/>
+            <a:ext cx="1434904" cy="379828"/>
+          </a:xfrm>
+          <a:prstGeom prst="rightArrow">
+            <a:avLst/>
+          </a:prstGeom>
+        </p:spPr>
+        <p:style>
+          <a:lnRef idx="2">
+            <a:schemeClr val="accent1">
+              <a:shade val="50000"/>
+            </a:schemeClr>
+          </a:lnRef>
+          <a:fillRef idx="1">
+            <a:schemeClr val="accent1"/>
+          </a:fillRef>
+          <a:effectRef idx="0">
+            <a:schemeClr val="accent1"/>
+          </a:effectRef>
+          <a:fontRef idx="minor">
+            <a:schemeClr val="lt1"/>
+          </a:fontRef>
+        </p:style>
+        <p:txBody>
+          <a:bodyPr rtlCol="0" anchor="ctr"/>
+          <a:lstStyle/>
+          <a:p>
+            <a:pPr algn="ctr"/>
+            <a:endParaRPr lang="en-US"/>
+          </a:p>
+        </p:txBody>
+      </p:sp>
+      <p:sp>
+        <p:nvSpPr>
+          <p:cNvPr id="6" name="Right Arrow 5"/>
+          <p:cNvSpPr/>
+          <p:nvPr/>
+        </p:nvSpPr>
+        <p:spPr>
+          <a:xfrm>
+            <a:off x="3193366" y="5681004"/>
+            <a:ext cx="1083212" cy="379828"/>
+          </a:xfrm>
+          <a:prstGeom prst="rightArrow">
+            <a:avLst/>
+          </a:prstGeom>
+        </p:spPr>
+        <p:style>
+          <a:lnRef idx="2">
+            <a:schemeClr val="accent1">
+              <a:shade val="50000"/>
+            </a:schemeClr>
+          </a:lnRef>
+          <a:fillRef idx="1">
+            <a:schemeClr val="accent1"/>
+          </a:fillRef>
+          <a:effectRef idx="0">
+            <a:schemeClr val="accent1"/>
+          </a:effectRef>
+          <a:fontRef idx="minor">
+            <a:schemeClr val="lt1"/>
+          </a:fontRef>
+        </p:style>
+        <p:txBody>
+          <a:bodyPr rtlCol="0" anchor="ctr"/>
+          <a:lstStyle/>
+          <a:p>
+            <a:pPr algn="ctr"/>
+            <a:endParaRPr lang="en-US"/>
+          </a:p>
+        </p:txBody>
+      </p:sp>
+      <p:sp>
+        <p:nvSpPr>
+          <p:cNvPr id="7" name="Right Arrow 6"/>
+          <p:cNvSpPr/>
+          <p:nvPr/>
+        </p:nvSpPr>
+        <p:spPr>
+          <a:xfrm>
+            <a:off x="3348110" y="2546252"/>
+            <a:ext cx="928467" cy="379828"/>
+          </a:xfrm>
+          <a:prstGeom prst="rightArrow">
+            <a:avLst/>
+          </a:prstGeom>
+        </p:spPr>
+        <p:style>
+          <a:lnRef idx="2">
+            <a:schemeClr val="accent1">
+              <a:shade val="50000"/>
+            </a:schemeClr>
+          </a:lnRef>
+          <a:fillRef idx="1">
+            <a:schemeClr val="accent1"/>
+          </a:fillRef>
+          <a:effectRef idx="0">
+            <a:schemeClr val="accent1"/>
+          </a:effectRef>
+          <a:fontRef idx="minor">
+            <a:schemeClr val="lt1"/>
+          </a:fontRef>
+        </p:style>
+        <p:txBody>
+          <a:bodyPr rtlCol="0" anchor="ctr"/>
+          <a:lstStyle/>
+          <a:p>
+            <a:pPr algn="ctr"/>
+            <a:endParaRPr lang="en-US"/>
+          </a:p>
+        </p:txBody>
+      </p:sp>
+      <p:sp>
+        <p:nvSpPr>
+          <p:cNvPr id="8" name="TextBox 7"/>
+          <p:cNvSpPr txBox="1"/>
+          <p:nvPr/>
+        </p:nvSpPr>
+        <p:spPr>
+          <a:xfrm>
+            <a:off x="520670" y="3454163"/>
+            <a:ext cx="3929281" cy="1938992"/>
+          </a:xfrm>
+          <a:prstGeom prst="rect">
+            <a:avLst/>
+          </a:prstGeom>
+          <a:noFill/>
+        </p:spPr>
+        <p:txBody>
+          <a:bodyPr wrap="none" rtlCol="0">
+            <a:spAutoFit/>
+          </a:bodyPr>
+          <a:lstStyle/>
+          <a:p>
+            <a:r>
+              <a:rPr lang="en-US" sz="4000" dirty="0" smtClean="0"/>
+              <a:t>674th out of 1822</a:t>
+            </a:r>
+            <a:br>
+              <a:rPr lang="en-US" sz="4000" dirty="0" smtClean="0"/>
+            </a:br>
+            <a:r>
+              <a:rPr lang="en-US" sz="4000" dirty="0" smtClean="0"/>
+              <a:t>top .3938</a:t>
+            </a:r>
+            <a:br>
+              <a:rPr lang="en-US" sz="4000" dirty="0" smtClean="0"/>
+            </a:br>
+            <a:r>
+              <a:rPr lang="en-US" sz="4000" dirty="0" smtClean="0"/>
+              <a:t>.0112 to go!</a:t>
+            </a:r>
+            <a:endParaRPr lang="en-US" sz="4000" dirty="0"/>
+          </a:p>
+        </p:txBody>
+      </p:sp>
+    </p:spTree>
+    <p:extLst>
+      <p:ext uri="{BB962C8B-B14F-4D97-AF65-F5344CB8AC3E}">
+        <p14:creationId xmlns:p14="http://schemas.microsoft.com/office/powerpoint/2010/main" val="2205775092"/>
+      </p:ext>
+    </p:extLst>
+  </p:cSld>
+  <p:clrMapOvr>
+    <a:masterClrMapping/>
+  </p:clrMapOvr>
+  <p:timing>
+    <p:tnLst>
+      <p:par>
+        <p:cTn id="1" dur="indefinite" restart="never" nodeType="tmRoot"/>
+      </p:par>
+    </p:tnLst>
+  </p:timing>
+</p:sld>
+</file>
+
+<file path=ppt/slides/slide13.xml><?xml version="1.0" encoding="utf-8"?>
+<p:sld xmlns:a="http://schemas.openxmlformats.org/drawingml/2006/main" xmlns:r="http://schemas.openxmlformats.org/officeDocument/2006/relationships" xmlns:p="http://schemas.openxmlformats.org/presentationml/2006/main">
+  <p:cSld>
+    <p:spTree>
+      <p:nvGrpSpPr>
+        <p:cNvPr id="1" name=""/>
+        <p:cNvGrpSpPr/>
+        <p:nvPr/>
+      </p:nvGrpSpPr>
+      <p:grpSpPr>
+        <a:xfrm>
+          <a:off x="0" y="0"/>
+          <a:ext cx="0" cy="0"/>
+          <a:chOff x="0" y="0"/>
+          <a:chExt cx="0" cy="0"/>
+        </a:xfrm>
+      </p:grpSpPr>
+      <p:sp>
+        <p:nvSpPr>
+          <p:cNvPr id="2" name="Title 1"/>
+          <p:cNvSpPr>
+            <a:spLocks noGrp="1"/>
+          </p:cNvSpPr>
+          <p:nvPr>
+            <p:ph type="title"/>
+          </p:nvPr>
+        </p:nvSpPr>
+        <p:spPr/>
+        <p:txBody>
+          <a:bodyPr/>
+          <a:lstStyle/>
+          <a:p>
+            <a:r>
+              <a:rPr lang="en-US" dirty="0" smtClean="0"/>
+              <a:t>What is Gradient Boosting?</a:t>
+            </a:r>
+            <a:endParaRPr lang="en-US" dirty="0"/>
+          </a:p>
+        </p:txBody>
+      </p:sp>
+      <p:sp>
+        <p:nvSpPr>
+          <p:cNvPr id="3" name="Content Placeholder 2"/>
+          <p:cNvSpPr>
+            <a:spLocks noGrp="1"/>
+          </p:cNvSpPr>
+          <p:nvPr>
+            <p:ph idx="1"/>
+          </p:nvPr>
+        </p:nvSpPr>
+        <p:spPr/>
+        <p:txBody>
+          <a:bodyPr/>
+          <a:lstStyle/>
+          <a:p>
+            <a:r>
+              <a:rPr lang="en-US" dirty="0"/>
+              <a:t>GB builds an additive model in a forward stage-wise fashion; it allows for the optimization of arbitrary differentiable loss functions. In each stage a regression tree is fit on the negative gradient of the given loss function</a:t>
+            </a:r>
+            <a:r>
+              <a:rPr lang="en-US" dirty="0" smtClean="0"/>
+              <a:t>.</a:t>
+            </a:r>
+          </a:p>
+          <a:p>
+            <a:r>
+              <a:rPr lang="en-US" dirty="0"/>
+              <a:t>loss function to be optimized. ‘ls’ refers to least squares regression. ‘lad’ (least absolute deviation) is a highly robust loss function solely based on order information of the input variables. ‘</a:t>
+            </a:r>
+            <a:r>
+              <a:rPr lang="en-US" dirty="0" err="1"/>
+              <a:t>huber</a:t>
+            </a:r>
+            <a:r>
+              <a:rPr lang="en-US" dirty="0"/>
+              <a:t>’ is a combination of the two.</a:t>
+            </a:r>
+            <a:endParaRPr lang="en-US" dirty="0" smtClean="0"/>
+          </a:p>
+          <a:p>
+            <a:endParaRPr lang="en-US" dirty="0" smtClean="0"/>
+          </a:p>
+          <a:p>
+            <a:endParaRPr lang="en-US" dirty="0"/>
+          </a:p>
+        </p:txBody>
+      </p:sp>
+    </p:spTree>
+    <p:extLst>
+      <p:ext uri="{BB962C8B-B14F-4D97-AF65-F5344CB8AC3E}">
+        <p14:creationId xmlns:p14="http://schemas.microsoft.com/office/powerpoint/2010/main" val="1113564477"/>
+      </p:ext>
+    </p:extLst>
+  </p:cSld>
+  <p:clrMapOvr>
+    <a:masterClrMapping/>
+  </p:clrMapOvr>
+  <p:timing>
+    <p:tnLst>
+      <p:par>
+        <p:cTn id="1" dur="indefinite" restart="never" nodeType="tmRoot"/>
+      </p:par>
+    </p:tnLst>
+  </p:timing>
+</p:sld>
+</file>
+
+<file path=ppt/slides/slide14.xml><?xml version="1.0" encoding="utf-8"?>
+<p:sld xmlns:a="http://schemas.openxmlformats.org/drawingml/2006/main" xmlns:r="http://schemas.openxmlformats.org/officeDocument/2006/relationships" xmlns:p="http://schemas.openxmlformats.org/presentationml/2006/main">
+  <p:cSld>
+    <p:spTree>
+      <p:nvGrpSpPr>
+        <p:cNvPr id="1" name=""/>
+        <p:cNvGrpSpPr/>
+        <p:nvPr/>
+      </p:nvGrpSpPr>
+      <p:grpSpPr>
+        <a:xfrm>
+          <a:off x="0" y="0"/>
+          <a:ext cx="0" cy="0"/>
+          <a:chOff x="0" y="0"/>
+          <a:chExt cx="0" cy="0"/>
+        </a:xfrm>
+      </p:grpSpPr>
+      <p:sp>
+        <p:nvSpPr>
+          <p:cNvPr id="2" name="Title 1"/>
+          <p:cNvSpPr>
+            <a:spLocks noGrp="1"/>
+          </p:cNvSpPr>
+          <p:nvPr>
+            <p:ph type="title"/>
+          </p:nvPr>
+        </p:nvSpPr>
+        <p:spPr>
+          <a:xfrm>
+            <a:off x="838200" y="365125"/>
+            <a:ext cx="3930748" cy="1325563"/>
+          </a:xfrm>
+        </p:spPr>
+        <p:txBody>
+          <a:bodyPr>
+            <a:normAutofit fontScale="90000"/>
+          </a:bodyPr>
+          <a:lstStyle/>
+          <a:p>
+            <a:r>
+              <a:rPr lang="en-US" dirty="0" smtClean="0"/>
+              <a:t>Using GBR to find important variables</a:t>
+            </a:r>
+            <a:endParaRPr lang="en-US" dirty="0"/>
+          </a:p>
+        </p:txBody>
+      </p:sp>
+      <p:sp>
+        <p:nvSpPr>
+          <p:cNvPr id="3" name="Content Placeholder 2"/>
+          <p:cNvSpPr>
+            <a:spLocks noGrp="1"/>
+          </p:cNvSpPr>
+          <p:nvPr>
+            <p:ph idx="1"/>
+          </p:nvPr>
+        </p:nvSpPr>
+        <p:spPr>
+          <a:xfrm>
+            <a:off x="838200" y="2391507"/>
+            <a:ext cx="3761935" cy="3785455"/>
+          </a:xfrm>
+        </p:spPr>
+        <p:txBody>
+          <a:bodyPr/>
+          <a:lstStyle/>
+          <a:p>
+            <a:r>
+              <a:rPr lang="en-US" dirty="0" smtClean="0"/>
+              <a:t>Analyzed the variables’ importance</a:t>
+            </a:r>
+          </a:p>
+          <a:p>
+            <a:r>
+              <a:rPr lang="en-US" dirty="0" err="1" smtClean="0"/>
+              <a:t>DictVectorizer</a:t>
+            </a:r>
+            <a:r>
+              <a:rPr lang="en-US" dirty="0" smtClean="0"/>
+              <a:t> same as </a:t>
+            </a:r>
+            <a:r>
+              <a:rPr lang="en-US" dirty="0" err="1" smtClean="0"/>
+              <a:t>get_dummies</a:t>
+            </a:r>
+            <a:r>
+              <a:rPr lang="en-US" dirty="0" smtClean="0"/>
+              <a:t>?</a:t>
+            </a:r>
+          </a:p>
+          <a:p>
+            <a:endParaRPr lang="en-US" dirty="0"/>
+          </a:p>
+        </p:txBody>
+      </p:sp>
+      <p:pic>
+        <p:nvPicPr>
+          <p:cNvPr id="4" name="Picture 3"/>
+          <p:cNvPicPr>
+            <a:picLocks noChangeAspect="1"/>
+          </p:cNvPicPr>
+          <p:nvPr/>
+        </p:nvPicPr>
+        <p:blipFill>
+          <a:blip r:embed="rId2"/>
+          <a:stretch>
+            <a:fillRect/>
+          </a:stretch>
+        </p:blipFill>
+        <p:spPr>
+          <a:xfrm>
+            <a:off x="4956358" y="218846"/>
+            <a:ext cx="6888639" cy="6477376"/>
+          </a:xfrm>
+          <a:prstGeom prst="rect">
+            <a:avLst/>
+          </a:prstGeom>
+        </p:spPr>
+      </p:pic>
+    </p:spTree>
+    <p:extLst>
+      <p:ext uri="{BB962C8B-B14F-4D97-AF65-F5344CB8AC3E}">
+        <p14:creationId xmlns:p14="http://schemas.microsoft.com/office/powerpoint/2010/main" val="3354573392"/>
+      </p:ext>
+    </p:extLst>
+  </p:cSld>
+  <p:clrMapOvr>
+    <a:masterClrMapping/>
+  </p:clrMapOvr>
+  <p:timing>
+    <p:tnLst>
+      <p:par>
+        <p:cTn id="1" dur="indefinite" restart="never" nodeType="tmRoot"/>
+      </p:par>
+    </p:tnLst>
+  </p:timing>
+</p:sld>
+</file>
+
+<file path=ppt/slides/slide15.xml><?xml version="1.0" encoding="utf-8"?>
+<p:sld xmlns:a="http://schemas.openxmlformats.org/drawingml/2006/main" xmlns:r="http://schemas.openxmlformats.org/officeDocument/2006/relationships" xmlns:p="http://schemas.openxmlformats.org/presentationml/2006/main">
+  <p:cSld>
+    <p:spTree>
+      <p:nvGrpSpPr>
+        <p:cNvPr id="1" name=""/>
+        <p:cNvGrpSpPr/>
+        <p:nvPr/>
+      </p:nvGrpSpPr>
+      <p:grpSpPr>
+        <a:xfrm>
+          <a:off x="0" y="0"/>
+          <a:ext cx="0" cy="0"/>
+          <a:chOff x="0" y="0"/>
+          <a:chExt cx="0" cy="0"/>
+        </a:xfrm>
+      </p:grpSpPr>
+      <p:sp>
+        <p:nvSpPr>
+          <p:cNvPr id="2" name="Title 1"/>
+          <p:cNvSpPr>
+            <a:spLocks noGrp="1"/>
+          </p:cNvSpPr>
+          <p:nvPr>
+            <p:ph type="title"/>
+          </p:nvPr>
+        </p:nvSpPr>
+        <p:spPr>
+          <a:xfrm>
+            <a:off x="838200" y="365126"/>
+            <a:ext cx="3804138" cy="1308930"/>
+          </a:xfrm>
+        </p:spPr>
+        <p:txBody>
+          <a:bodyPr>
+            <a:normAutofit fontScale="90000"/>
+          </a:bodyPr>
+          <a:lstStyle/>
+          <a:p>
+            <a:r>
+              <a:rPr lang="en-US" dirty="0" smtClean="0"/>
+              <a:t>Are categorical variables ordinal?</a:t>
+            </a:r>
+            <a:endParaRPr lang="en-US" dirty="0"/>
+          </a:p>
+        </p:txBody>
+      </p:sp>
+      <p:sp>
+        <p:nvSpPr>
+          <p:cNvPr id="3" name="Content Placeholder 2"/>
+          <p:cNvSpPr>
+            <a:spLocks noGrp="1"/>
+          </p:cNvSpPr>
+          <p:nvPr>
+            <p:ph idx="1"/>
+          </p:nvPr>
+        </p:nvSpPr>
+        <p:spPr>
+          <a:xfrm>
+            <a:off x="838200" y="1825625"/>
+            <a:ext cx="3100754" cy="3351286"/>
+          </a:xfrm>
+        </p:spPr>
+        <p:txBody>
+          <a:bodyPr/>
+          <a:lstStyle/>
+          <a:p>
+            <a:r>
+              <a:rPr lang="en-US" dirty="0" smtClean="0"/>
+              <a:t>If so, label encoder may generalize better</a:t>
+            </a:r>
+            <a:endParaRPr lang="en-US" dirty="0"/>
+          </a:p>
+        </p:txBody>
+      </p:sp>
+      <p:pic>
+        <p:nvPicPr>
+          <p:cNvPr id="4" name="Picture 3"/>
+          <p:cNvPicPr>
+            <a:picLocks noChangeAspect="1"/>
+          </p:cNvPicPr>
+          <p:nvPr/>
+        </p:nvPicPr>
+        <p:blipFill>
+          <a:blip r:embed="rId2"/>
+          <a:stretch>
+            <a:fillRect/>
+          </a:stretch>
+        </p:blipFill>
+        <p:spPr>
+          <a:xfrm>
+            <a:off x="4538467" y="365124"/>
+            <a:ext cx="7296188" cy="5585509"/>
+          </a:xfrm>
+          <a:prstGeom prst="rect">
+            <a:avLst/>
+          </a:prstGeom>
+        </p:spPr>
+      </p:pic>
+      <p:sp>
+        <p:nvSpPr>
+          <p:cNvPr id="5" name="Rounded Rectangle 4"/>
+          <p:cNvSpPr/>
+          <p:nvPr/>
+        </p:nvSpPr>
+        <p:spPr>
+          <a:xfrm>
+            <a:off x="4965895" y="2278966"/>
+            <a:ext cx="2869810" cy="773723"/>
+          </a:xfrm>
+          <a:prstGeom prst="roundRect">
+            <a:avLst/>
+          </a:prstGeom>
+          <a:noFill/>
+          <a:ln w="63500">
+            <a:solidFill>
+              <a:srgbClr val="FF0000"/>
+            </a:solidFill>
+          </a:ln>
+        </p:spPr>
+        <p:style>
+          <a:lnRef idx="2">
+            <a:schemeClr val="accent1">
+              <a:shade val="50000"/>
+            </a:schemeClr>
+          </a:lnRef>
+          <a:fillRef idx="1">
+            <a:schemeClr val="accent1"/>
+          </a:fillRef>
+          <a:effectRef idx="0">
+            <a:schemeClr val="accent1"/>
+          </a:effectRef>
+          <a:fontRef idx="minor">
+            <a:schemeClr val="lt1"/>
+          </a:fontRef>
+        </p:style>
+        <p:txBody>
+          <a:bodyPr rtlCol="0" anchor="ctr"/>
+          <a:lstStyle/>
+          <a:p>
+            <a:pPr algn="ctr"/>
+            <a:endParaRPr lang="en-US"/>
+          </a:p>
+        </p:txBody>
+      </p:sp>
+      <p:pic>
+        <p:nvPicPr>
+          <p:cNvPr id="6" name="Picture 5"/>
+          <p:cNvPicPr>
+            <a:picLocks noChangeAspect="1"/>
+          </p:cNvPicPr>
+          <p:nvPr/>
+        </p:nvPicPr>
+        <p:blipFill>
+          <a:blip r:embed="rId3"/>
+          <a:stretch>
+            <a:fillRect/>
+          </a:stretch>
+        </p:blipFill>
+        <p:spPr>
+          <a:xfrm>
+            <a:off x="341804" y="3052689"/>
+            <a:ext cx="4122496" cy="3319976"/>
+          </a:xfrm>
+          <a:prstGeom prst="rect">
+            <a:avLst/>
+          </a:prstGeom>
+        </p:spPr>
+      </p:pic>
+      <p:cxnSp>
+        <p:nvCxnSpPr>
+          <p:cNvPr id="8" name="Straight Arrow Connector 7"/>
+          <p:cNvCxnSpPr/>
+          <p:nvPr/>
+        </p:nvCxnSpPr>
+        <p:spPr>
+          <a:xfrm flipV="1">
+            <a:off x="4206240" y="3052689"/>
+            <a:ext cx="886265" cy="3024554"/>
+          </a:xfrm>
+          <a:prstGeom prst="straightConnector1">
+            <a:avLst/>
+          </a:prstGeom>
+          <a:ln w="66675">
+            <a:solidFill>
+              <a:srgbClr val="FF0000"/>
+            </a:solidFill>
+            <a:tailEnd type="triangle"/>
+          </a:ln>
+        </p:spPr>
+        <p:style>
+          <a:lnRef idx="1">
+            <a:schemeClr val="accent1"/>
+          </a:lnRef>
+          <a:fillRef idx="0">
+            <a:schemeClr val="accent1"/>
+          </a:fillRef>
+          <a:effectRef idx="0">
+            <a:schemeClr val="accent1"/>
+          </a:effectRef>
+          <a:fontRef idx="minor">
+            <a:schemeClr val="tx1"/>
+          </a:fontRef>
+        </p:style>
+      </p:cxnSp>
+    </p:spTree>
+    <p:extLst>
+      <p:ext uri="{BB962C8B-B14F-4D97-AF65-F5344CB8AC3E}">
+        <p14:creationId xmlns:p14="http://schemas.microsoft.com/office/powerpoint/2010/main" val="1843211812"/>
+      </p:ext>
+    </p:extLst>
+  </p:cSld>
+  <p:clrMapOvr>
+    <a:masterClrMapping/>
+  </p:clrMapOvr>
+  <p:timing>
+    <p:tnLst>
+      <p:par>
+        <p:cTn id="1" dur="indefinite" restart="never" nodeType="tmRoot"/>
+      </p:par>
+    </p:tnLst>
+  </p:timing>
+</p:sld>
+</file>
+
+<file path=ppt/slides/slide16.xml><?xml version="1.0" encoding="utf-8"?>
+<p:sld xmlns:a="http://schemas.openxmlformats.org/drawingml/2006/main" xmlns:r="http://schemas.openxmlformats.org/officeDocument/2006/relationships" xmlns:p="http://schemas.openxmlformats.org/presentationml/2006/main">
+  <p:cSld>
+    <p:spTree>
+      <p:nvGrpSpPr>
+        <p:cNvPr id="1" name=""/>
+        <p:cNvGrpSpPr/>
+        <p:nvPr/>
+      </p:nvGrpSpPr>
+      <p:grpSpPr>
+        <a:xfrm>
+          <a:off x="0" y="0"/>
+          <a:ext cx="0" cy="0"/>
+          <a:chOff x="0" y="0"/>
+          <a:chExt cx="0" cy="0"/>
+        </a:xfrm>
+      </p:grpSpPr>
+      <p:sp>
+        <p:nvSpPr>
+          <p:cNvPr id="2" name="Title 1"/>
+          <p:cNvSpPr>
+            <a:spLocks noGrp="1"/>
+          </p:cNvSpPr>
+          <p:nvPr>
+            <p:ph type="title"/>
+          </p:nvPr>
+        </p:nvSpPr>
+        <p:spPr/>
+        <p:txBody>
+          <a:bodyPr/>
+          <a:lstStyle/>
+          <a:p>
+            <a:r>
+              <a:rPr lang="en-US" dirty="0" smtClean="0"/>
+              <a:t>Next steps</a:t>
+            </a:r>
+            <a:endParaRPr lang="en-US" dirty="0"/>
+          </a:p>
+        </p:txBody>
+      </p:sp>
+      <p:sp>
+        <p:nvSpPr>
+          <p:cNvPr id="3" name="Content Placeholder 2"/>
+          <p:cNvSpPr>
+            <a:spLocks noGrp="1"/>
+          </p:cNvSpPr>
+          <p:nvPr>
+            <p:ph idx="1"/>
+          </p:nvPr>
+        </p:nvSpPr>
+        <p:spPr/>
+        <p:txBody>
+          <a:bodyPr/>
+          <a:lstStyle/>
+          <a:p>
+            <a:r>
+              <a:rPr lang="en-US" dirty="0" smtClean="0"/>
+              <a:t>Grid and tune the model</a:t>
+            </a:r>
+          </a:p>
+          <a:p>
+            <a:r>
+              <a:rPr lang="en-US" dirty="0" smtClean="0"/>
+              <a:t>Ensemble</a:t>
+            </a:r>
+          </a:p>
+          <a:p>
+            <a:r>
+              <a:rPr lang="en-US" dirty="0" smtClean="0"/>
+              <a:t>Find out what the top competitors are doing</a:t>
+            </a:r>
+          </a:p>
+          <a:p>
+            <a:r>
+              <a:rPr lang="en-US" dirty="0" smtClean="0"/>
+              <a:t>Organize the code</a:t>
+            </a:r>
+            <a:endParaRPr lang="en-US" dirty="0"/>
+          </a:p>
+        </p:txBody>
+      </p:sp>
+    </p:spTree>
+    <p:extLst>
+      <p:ext uri="{BB962C8B-B14F-4D97-AF65-F5344CB8AC3E}">
+        <p14:creationId xmlns:p14="http://schemas.microsoft.com/office/powerpoint/2010/main" val="2257964744"/>
+      </p:ext>
+    </p:extLst>
+  </p:cSld>
+  <p:clrMapOvr>
+    <a:masterClrMapping/>
+  </p:clrMapOvr>
+  <p:timing>
+    <p:tnLst>
+      <p:par>
+        <p:cTn id="1" dur="indefinite" restart="never" nodeType="tmRoot"/>
+      </p:par>
+    </p:tnLst>
+  </p:timing>
+</p:sld>
+</file>
+
+<file path=ppt/slides/slide17.xml><?xml version="1.0" encoding="utf-8"?>
 <p:sld xmlns:a="http://schemas.openxmlformats.org/drawingml/2006/main" xmlns:r="http://schemas.openxmlformats.org/officeDocument/2006/relationships" xmlns:p="http://schemas.openxmlformats.org/presentationml/2006/main">
   <p:cSld>
     <p:spTree>
@@ -3905,11 +5217,11 @@
   <p:clrMapOvr>
     <a:masterClrMapping/>
   </p:clrMapOvr>
-  <mc:AlternateContent xmlns:mc="http://schemas.openxmlformats.org/markup-compatibility/2006">
-    <mc:Choice xmlns:p14="http://schemas.microsoft.com/office/powerpoint/2010/main" Requires="p14">
+  <mc:AlternateContent xmlns:mc="http://schemas.openxmlformats.org/markup-compatibility/2006" xmlns:p14="http://schemas.microsoft.com/office/powerpoint/2010/main">
+    <mc:Choice Requires="p14">
       <p:transition spd="slow" p14:dur="2000"/>
     </mc:Choice>
-    <mc:Fallback>
+    <mc:Fallback xmlns="">
       <p:transition spd="slow"/>
     </mc:Fallback>
   </mc:AlternateContent>
@@ -4052,8 +5364,8 @@
 </p:sld>
 </file>
 
-<file path=ppt/slides/slide11.xml><?xml version="1.0" encoding="utf-8"?>
-<p:sld xmlns:a="http://schemas.openxmlformats.org/drawingml/2006/main" xmlns:r="http://schemas.openxmlformats.org/officeDocument/2006/relationships" xmlns:p="http://schemas.openxmlformats.org/presentationml/2006/main">
+<file path=ppt/slides/slide18.xml><?xml version="1.0" encoding="utf-8"?>
+<p:sld xmlns:a="http://schemas.openxmlformats.org/drawingml/2006/main" xmlns:r="http://schemas.openxmlformats.org/officeDocument/2006/relationships" xmlns:p="http://schemas.openxmlformats.org/presentationml/2006/main" show="0">
   <p:cSld>
     <p:spTree>
       <p:nvGrpSpPr>
@@ -4250,6 +5562,14 @@
   <p:clrMapOvr>
     <a:masterClrMapping/>
   </p:clrMapOvr>
+  <mc:AlternateContent xmlns:mc="http://schemas.openxmlformats.org/markup-compatibility/2006">
+    <mc:Choice xmlns:p14="http://schemas.microsoft.com/office/powerpoint/2010/main" Requires="p14">
+      <p:transition spd="slow" p14:dur="2000"/>
+    </mc:Choice>
+    <mc:Fallback>
+      <p:transition spd="slow"/>
+    </mc:Fallback>
+  </mc:AlternateContent>
   <p:timing>
     <p:tnLst>
       <p:par>
@@ -4260,7 +5580,7 @@
 </p:sld>
 </file>
 
-<file path=ppt/slides/slide12.xml><?xml version="1.0" encoding="utf-8"?>
+<file path=ppt/slides/slide19.xml><?xml version="1.0" encoding="utf-8"?>
 <p:sld xmlns:a="http://schemas.openxmlformats.org/drawingml/2006/main" xmlns:r="http://schemas.openxmlformats.org/officeDocument/2006/relationships" xmlns:p="http://schemas.openxmlformats.org/presentationml/2006/main" show="0">
   <p:cSld>
     <p:spTree>
@@ -7561,7 +8881,11 @@
           <a:p>
             <a:r>
               <a:rPr lang="en-US" dirty="0" smtClean="0"/>
-              <a:t>Multiclass classification, which model?</a:t>
+              <a:t>Regression, </a:t>
+            </a:r>
+            <a:r>
+              <a:rPr lang="en-US" dirty="0" smtClean="0"/>
+              <a:t>which model?</a:t>
             </a:r>
             <a:endParaRPr lang="en-US" dirty="0"/>
           </a:p>
@@ -7821,69 +9145,35 @@
           <a:p>
             <a:r>
               <a:rPr lang="en-US" sz="3200" b="0" i="0" u="none" strike="noStrike" baseline="0" dirty="0" smtClean="0"/>
-              <a:t>Inherently multiclass:</a:t>
-            </a:r>
+              <a:t>Linear regression models:</a:t>
+            </a:r>
+            <a:endParaRPr lang="en-US" sz="3200" b="0" i="0" u="none" strike="noStrike" baseline="0" dirty="0" smtClean="0"/>
           </a:p>
           <a:p>
             <a:pPr lvl="1"/>
             <a:r>
               <a:rPr lang="en-US" sz="2800" dirty="0" smtClean="0"/>
-              <a:t>Naïve Bayes</a:t>
-            </a:r>
+              <a:t>Linear Regression</a:t>
+            </a:r>
+            <a:endParaRPr lang="en-US" sz="2800" dirty="0" smtClean="0"/>
           </a:p>
           <a:p>
             <a:pPr lvl="1"/>
             <a:r>
-              <a:rPr lang="en-US" sz="2800" b="0" i="0" u="none" strike="noStrike" baseline="0" dirty="0" smtClean="0"/>
-              <a:t>Linear</a:t>
-            </a:r>
-            <a:r>
-              <a:rPr lang="en-US" sz="2800" b="0" i="0" u="none" strike="noStrike" dirty="0" smtClean="0"/>
-              <a:t> Discriminant</a:t>
-            </a:r>
+              <a:rPr lang="en-US" sz="2800" dirty="0" err="1"/>
+              <a:t>GradientBoostingRegressor</a:t>
+            </a:r>
+            <a:endParaRPr lang="en-US" sz="2800" b="0" i="0" u="none" strike="noStrike" dirty="0" smtClean="0"/>
           </a:p>
           <a:p>
             <a:pPr lvl="1"/>
             <a:r>
-              <a:rPr lang="en-US" sz="2800" baseline="0" dirty="0" smtClean="0"/>
-              <a:t>Decision</a:t>
+              <a:rPr lang="en-US" sz="2800" baseline="0" dirty="0" err="1" smtClean="0"/>
+              <a:t>Xtreme</a:t>
             </a:r>
             <a:r>
               <a:rPr lang="en-US" sz="2800" dirty="0" smtClean="0"/>
-              <a:t> Trees</a:t>
-            </a:r>
-          </a:p>
-          <a:p>
-            <a:pPr lvl="1"/>
-            <a:r>
-              <a:rPr lang="en-US" sz="2800" b="0" i="0" u="none" strike="noStrike" baseline="0" dirty="0" smtClean="0"/>
-              <a:t>Random</a:t>
-            </a:r>
-            <a:r>
-              <a:rPr lang="en-US" sz="2800" b="0" i="0" u="none" strike="noStrike" dirty="0" smtClean="0"/>
-              <a:t> Forests</a:t>
-            </a:r>
-          </a:p>
-          <a:p>
-            <a:pPr lvl="1"/>
-            <a:r>
-              <a:rPr lang="en-US" sz="2800" baseline="0" dirty="0" smtClean="0"/>
-              <a:t>Nearest</a:t>
-            </a:r>
-            <a:r>
-              <a:rPr lang="en-US" sz="2800" dirty="0" smtClean="0"/>
-              <a:t> Neighbors</a:t>
-            </a:r>
-          </a:p>
-          <a:p>
-            <a:pPr lvl="1"/>
-            <a:r>
-              <a:rPr lang="en-US" sz="2800" b="0" i="0" u="none" strike="noStrike" baseline="0" dirty="0" smtClean="0"/>
-              <a:t>Logistic</a:t>
-            </a:r>
-            <a:r>
-              <a:rPr lang="en-US" sz="2800" b="0" i="0" u="none" strike="noStrike" dirty="0" smtClean="0"/>
-              <a:t> Regression (multinomial)</a:t>
+              <a:t> Gradient Booster</a:t>
             </a:r>
             <a:endParaRPr lang="en-US" sz="2800" dirty="0" smtClean="0"/>
           </a:p>
@@ -7980,11 +9270,7 @@
           <a:p>
             <a:r>
               <a:rPr lang="en-US" dirty="0" smtClean="0"/>
-              <a:t>Strategy:  encode</a:t>
-            </a:r>
-            <a:r>
-              <a:rPr lang="en-US" dirty="0" smtClean="0"/>
-              <a:t> character variables </a:t>
+              <a:t>Strategy:  encode character variables </a:t>
             </a:r>
             <a:endParaRPr lang="en-US" dirty="0"/>
           </a:p>
